--- a/SQLLDR/Bad_Vs_Discard.pptx
+++ b/SQLLDR/Bad_Vs_Discard.pptx
@@ -18,7 +18,8 @@
     <p:sldId id="265" r:id="rId12"/>
     <p:sldId id="267" r:id="rId13"/>
     <p:sldId id="268" r:id="rId14"/>
-    <p:sldId id="269" r:id="rId15"/>
+    <p:sldId id="270" r:id="rId15"/>
+    <p:sldId id="269" r:id="rId16"/>
   </p:sldIdLst>
   <p:sldSz cx="9144000" cy="6858000" type="screen4x3"/>
   <p:notesSz cx="6858000" cy="9144000"/>
@@ -301,7 +302,7 @@
           <a:p>
             <a:fld id="{E30B6D15-E501-4B30-9258-F6AF2DAF638F}" type="datetimeFigureOut">
               <a:rPr lang="en-US" smtClean="0"/>
-              <a:t>2/25/2015</a:t>
+              <a:t>2/26/2015</a:t>
             </a:fld>
             <a:endParaRPr lang="en-US"/>
           </a:p>
@@ -471,7 +472,7 @@
           <a:p>
             <a:fld id="{E30B6D15-E501-4B30-9258-F6AF2DAF638F}" type="datetimeFigureOut">
               <a:rPr lang="en-US" smtClean="0"/>
-              <a:t>2/25/2015</a:t>
+              <a:t>2/26/2015</a:t>
             </a:fld>
             <a:endParaRPr lang="en-US"/>
           </a:p>
@@ -651,7 +652,7 @@
           <a:p>
             <a:fld id="{E30B6D15-E501-4B30-9258-F6AF2DAF638F}" type="datetimeFigureOut">
               <a:rPr lang="en-US" smtClean="0"/>
-              <a:t>2/25/2015</a:t>
+              <a:t>2/26/2015</a:t>
             </a:fld>
             <a:endParaRPr lang="en-US"/>
           </a:p>
@@ -821,7 +822,7 @@
           <a:p>
             <a:fld id="{E30B6D15-E501-4B30-9258-F6AF2DAF638F}" type="datetimeFigureOut">
               <a:rPr lang="en-US" smtClean="0"/>
-              <a:t>2/25/2015</a:t>
+              <a:t>2/26/2015</a:t>
             </a:fld>
             <a:endParaRPr lang="en-US"/>
           </a:p>
@@ -1067,7 +1068,7 @@
           <a:p>
             <a:fld id="{E30B6D15-E501-4B30-9258-F6AF2DAF638F}" type="datetimeFigureOut">
               <a:rPr lang="en-US" smtClean="0"/>
-              <a:t>2/25/2015</a:t>
+              <a:t>2/26/2015</a:t>
             </a:fld>
             <a:endParaRPr lang="en-US"/>
           </a:p>
@@ -1355,7 +1356,7 @@
           <a:p>
             <a:fld id="{E30B6D15-E501-4B30-9258-F6AF2DAF638F}" type="datetimeFigureOut">
               <a:rPr lang="en-US" smtClean="0"/>
-              <a:t>2/25/2015</a:t>
+              <a:t>2/26/2015</a:t>
             </a:fld>
             <a:endParaRPr lang="en-US"/>
           </a:p>
@@ -1777,7 +1778,7 @@
           <a:p>
             <a:fld id="{E30B6D15-E501-4B30-9258-F6AF2DAF638F}" type="datetimeFigureOut">
               <a:rPr lang="en-US" smtClean="0"/>
-              <a:t>2/25/2015</a:t>
+              <a:t>2/26/2015</a:t>
             </a:fld>
             <a:endParaRPr lang="en-US"/>
           </a:p>
@@ -1895,7 +1896,7 @@
           <a:p>
             <a:fld id="{E30B6D15-E501-4B30-9258-F6AF2DAF638F}" type="datetimeFigureOut">
               <a:rPr lang="en-US" smtClean="0"/>
-              <a:t>2/25/2015</a:t>
+              <a:t>2/26/2015</a:t>
             </a:fld>
             <a:endParaRPr lang="en-US"/>
           </a:p>
@@ -1990,7 +1991,7 @@
           <a:p>
             <a:fld id="{E30B6D15-E501-4B30-9258-F6AF2DAF638F}" type="datetimeFigureOut">
               <a:rPr lang="en-US" smtClean="0"/>
-              <a:t>2/25/2015</a:t>
+              <a:t>2/26/2015</a:t>
             </a:fld>
             <a:endParaRPr lang="en-US"/>
           </a:p>
@@ -2267,7 +2268,7 @@
           <a:p>
             <a:fld id="{E30B6D15-E501-4B30-9258-F6AF2DAF638F}" type="datetimeFigureOut">
               <a:rPr lang="en-US" smtClean="0"/>
-              <a:t>2/25/2015</a:t>
+              <a:t>2/26/2015</a:t>
             </a:fld>
             <a:endParaRPr lang="en-US"/>
           </a:p>
@@ -2520,7 +2521,7 @@
           <a:p>
             <a:fld id="{E30B6D15-E501-4B30-9258-F6AF2DAF638F}" type="datetimeFigureOut">
               <a:rPr lang="en-US" smtClean="0"/>
-              <a:t>2/25/2015</a:t>
+              <a:t>2/26/2015</a:t>
             </a:fld>
             <a:endParaRPr lang="en-US"/>
           </a:p>
@@ -2733,7 +2734,7 @@
           <a:p>
             <a:fld id="{E30B6D15-E501-4B30-9258-F6AF2DAF638F}" type="datetimeFigureOut">
               <a:rPr lang="en-US" smtClean="0"/>
-              <a:t>2/25/2015</a:t>
+              <a:t>2/26/2015</a:t>
             </a:fld>
             <a:endParaRPr lang="en-US"/>
           </a:p>
@@ -3192,6 +3193,13 @@
   <p:clrMapOvr>
     <a:masterClrMapping/>
   </p:clrMapOvr>
+  <p:timing>
+    <p:tnLst>
+      <p:par>
+        <p:cTn id="1" dur="indefinite" restart="never" nodeType="tmRoot"/>
+      </p:par>
+    </p:tnLst>
+  </p:timing>
 </p:sld>
 </file>
 
@@ -3438,6 +3446,13 @@
   <p:clrMapOvr>
     <a:masterClrMapping/>
   </p:clrMapOvr>
+  <p:timing>
+    <p:tnLst>
+      <p:par>
+        <p:cTn id="1" dur="indefinite" restart="never" nodeType="tmRoot"/>
+      </p:par>
+    </p:tnLst>
+  </p:timing>
 </p:sld>
 </file>
 
@@ -3498,7 +3513,7 @@
           <a:p>
             <a:r>
               <a:rPr lang="en-US" dirty="0" smtClean="0"/>
-              <a:t>Noticed that record 1,2,and 5 were discarded</a:t>
+              <a:t>Notice that record 1,2,and 5 were discarded</a:t>
             </a:r>
           </a:p>
           <a:p>
@@ -3537,6 +3552,13 @@
   <p:clrMapOvr>
     <a:masterClrMapping/>
   </p:clrMapOvr>
+  <p:timing>
+    <p:tnLst>
+      <p:par>
+        <p:cTn id="1" dur="indefinite" restart="never" nodeType="tmRoot"/>
+      </p:par>
+    </p:tnLst>
+  </p:timing>
 </p:sld>
 </file>
 
@@ -3628,6 +3650,13 @@
   <p:clrMapOvr>
     <a:masterClrMapping/>
   </p:clrMapOvr>
+  <p:timing>
+    <p:tnLst>
+      <p:par>
+        <p:cTn id="1" dur="indefinite" restart="never" nodeType="tmRoot"/>
+      </p:par>
+    </p:tnLst>
+  </p:timing>
 </p:sld>
 </file>
 
@@ -3730,6 +3759,13 @@
   <p:clrMapOvr>
     <a:masterClrMapping/>
   </p:clrMapOvr>
+  <p:timing>
+    <p:tnLst>
+      <p:par>
+        <p:cTn id="1" dur="indefinite" restart="never" nodeType="tmRoot"/>
+      </p:par>
+    </p:tnLst>
+  </p:timing>
 </p:sld>
 </file>
 
@@ -3767,6 +3803,153 @@
           <a:p>
             <a:r>
               <a:rPr lang="en-US" dirty="0" smtClean="0"/>
+              <a:t>EMP2 Table</a:t>
+            </a:r>
+            <a:endParaRPr lang="en-US" dirty="0"/>
+          </a:p>
+        </p:txBody>
+      </p:sp>
+      <p:sp>
+        <p:nvSpPr>
+          <p:cNvPr id="3" name="Content Placeholder 2"/>
+          <p:cNvSpPr>
+            <a:spLocks noGrp="1"/>
+          </p:cNvSpPr>
+          <p:nvPr>
+            <p:ph idx="1"/>
+          </p:nvPr>
+        </p:nvSpPr>
+        <p:spPr/>
+        <p:txBody>
+          <a:bodyPr>
+            <a:normAutofit fontScale="92500" lnSpcReduction="20000"/>
+          </a:bodyPr>
+          <a:lstStyle/>
+          <a:p>
+            <a:endParaRPr lang="en-US" dirty="0"/>
+          </a:p>
+          <a:p>
+            <a:pPr marL="0" indent="0">
+              <a:buNone/>
+            </a:pPr>
+            <a:r>
+              <a:rPr lang="en-US" dirty="0"/>
+              <a:t>SQL&gt; select * from emp2;</a:t>
+            </a:r>
+          </a:p>
+          <a:p>
+            <a:endParaRPr lang="en-US" dirty="0"/>
+          </a:p>
+          <a:p>
+            <a:pPr marL="0" indent="0">
+              <a:buNone/>
+            </a:pPr>
+            <a:r>
+              <a:rPr lang="en-US" dirty="0"/>
+              <a:t>EMPLOYEE_ID FIRST_NAME           LAST_NAME</a:t>
+            </a:r>
+          </a:p>
+          <a:p>
+            <a:pPr marL="0" indent="0">
+              <a:buNone/>
+            </a:pPr>
+            <a:r>
+              <a:rPr lang="en-US" dirty="0"/>
+              <a:t>----------- -------------------- -------------</a:t>
+            </a:r>
+          </a:p>
+          <a:p>
+            <a:pPr marL="0" indent="0">
+              <a:buNone/>
+            </a:pPr>
+            <a:r>
+              <a:rPr lang="en-US" dirty="0"/>
+              <a:t>        777 John                 Smith</a:t>
+            </a:r>
+          </a:p>
+          <a:p>
+            <a:pPr marL="0" indent="0">
+              <a:buNone/>
+            </a:pPr>
+            <a:r>
+              <a:rPr lang="en-US" dirty="0"/>
+              <a:t>        100 John                 West</a:t>
+            </a:r>
+          </a:p>
+          <a:p>
+            <a:pPr marL="0" indent="0">
+              <a:buNone/>
+            </a:pPr>
+            <a:r>
+              <a:rPr lang="en-US" dirty="0"/>
+              <a:t>        200 Kim                  Lee</a:t>
+            </a:r>
+          </a:p>
+          <a:p>
+            <a:pPr marL="0" indent="0">
+              <a:buNone/>
+            </a:pPr>
+            <a:r>
+              <a:rPr lang="en-US" dirty="0"/>
+              <a:t>        300 Alice                Green</a:t>
+            </a:r>
+          </a:p>
+        </p:txBody>
+      </p:sp>
+    </p:spTree>
+    <p:extLst>
+      <p:ext uri="{BB962C8B-B14F-4D97-AF65-F5344CB8AC3E}">
+        <p14:creationId xmlns:p14="http://schemas.microsoft.com/office/powerpoint/2010/main" val="3853646923"/>
+      </p:ext>
+    </p:extLst>
+  </p:cSld>
+  <p:clrMapOvr>
+    <a:masterClrMapping/>
+  </p:clrMapOvr>
+  <p:timing>
+    <p:tnLst>
+      <p:par>
+        <p:cTn id="1" dur="indefinite" restart="never" nodeType="tmRoot"/>
+      </p:par>
+    </p:tnLst>
+  </p:timing>
+</p:sld>
+</file>
+
+<file path=ppt/slides/slide15.xml><?xml version="1.0" encoding="utf-8"?>
+<p:sld xmlns:a="http://schemas.openxmlformats.org/drawingml/2006/main" xmlns:r="http://schemas.openxmlformats.org/officeDocument/2006/relationships" xmlns:p="http://schemas.openxmlformats.org/presentationml/2006/main">
+  <p:cSld>
+    <p:spTree>
+      <p:nvGrpSpPr>
+        <p:cNvPr id="1" name=""/>
+        <p:cNvGrpSpPr/>
+        <p:nvPr/>
+      </p:nvGrpSpPr>
+      <p:grpSpPr>
+        <a:xfrm>
+          <a:off x="0" y="0"/>
+          <a:ext cx="0" cy="0"/>
+          <a:chOff x="0" y="0"/>
+          <a:chExt cx="0" cy="0"/>
+        </a:xfrm>
+      </p:grpSpPr>
+      <p:sp>
+        <p:nvSpPr>
+          <p:cNvPr id="2" name="Title 1"/>
+          <p:cNvSpPr>
+            <a:spLocks noGrp="1"/>
+          </p:cNvSpPr>
+          <p:nvPr>
+            <p:ph type="title"/>
+          </p:nvPr>
+        </p:nvSpPr>
+        <p:spPr/>
+        <p:txBody>
+          <a:bodyPr/>
+          <a:lstStyle/>
+          <a:p>
+            <a:r>
+              <a:rPr lang="en-US" dirty="0" smtClean="0"/>
               <a:t>Comments</a:t>
             </a:r>
             <a:endParaRPr lang="en-US" dirty="0"/>
@@ -3852,6 +4035,13 @@
   <p:clrMapOvr>
     <a:masterClrMapping/>
   </p:clrMapOvr>
+  <p:timing>
+    <p:tnLst>
+      <p:par>
+        <p:cTn id="1" dur="indefinite" restart="never" nodeType="tmRoot"/>
+      </p:par>
+    </p:tnLst>
+  </p:timing>
 </p:sld>
 </file>
 
@@ -3994,6 +4184,13 @@
   <p:clrMapOvr>
     <a:masterClrMapping/>
   </p:clrMapOvr>
+  <p:timing>
+    <p:tnLst>
+      <p:par>
+        <p:cTn id="1" dur="indefinite" restart="never" nodeType="tmRoot"/>
+      </p:par>
+    </p:tnLst>
+  </p:timing>
 </p:sld>
 </file>
 
@@ -4093,6 +4290,13 @@
   <p:clrMapOvr>
     <a:masterClrMapping/>
   </p:clrMapOvr>
+  <p:timing>
+    <p:tnLst>
+      <p:par>
+        <p:cTn id="1" dur="indefinite" restart="never" nodeType="tmRoot"/>
+      </p:par>
+    </p:tnLst>
+  </p:timing>
 </p:sld>
 </file>
 
@@ -4273,6 +4477,13 @@
   <p:clrMapOvr>
     <a:masterClrMapping/>
   </p:clrMapOvr>
+  <p:timing>
+    <p:tnLst>
+      <p:par>
+        <p:cTn id="1" dur="indefinite" restart="never" nodeType="tmRoot"/>
+      </p:par>
+    </p:tnLst>
+  </p:timing>
 </p:sld>
 </file>
 
@@ -4422,6 +4633,13 @@
   <p:clrMapOvr>
     <a:masterClrMapping/>
   </p:clrMapOvr>
+  <p:timing>
+    <p:tnLst>
+      <p:par>
+        <p:cTn id="1" dur="indefinite" restart="never" nodeType="tmRoot"/>
+      </p:par>
+    </p:tnLst>
+  </p:timing>
 </p:sld>
 </file>
 
@@ -4505,7 +4723,7 @@
             </a:pPr>
             <a:r>
               <a:rPr lang="en-US" dirty="0" smtClean="0"/>
-              <a:t>The discard records are good records but they did not meet the condition of name “John”.  There is nothing wrong with the records, we just disregarded them.  </a:t>
+              <a:t>The discard records are good records but they did not meet the condition of name “John”.  There is nothing wrong with the records, we just disregard them.  </a:t>
             </a:r>
             <a:endParaRPr lang="en-US" dirty="0"/>
           </a:p>
@@ -4521,6 +4739,13 @@
   <p:clrMapOvr>
     <a:masterClrMapping/>
   </p:clrMapOvr>
+  <p:timing>
+    <p:tnLst>
+      <p:par>
+        <p:cTn id="1" dur="indefinite" restart="never" nodeType="tmRoot"/>
+      </p:par>
+    </p:tnLst>
+  </p:timing>
 </p:sld>
 </file>
 
@@ -4752,6 +4977,13 @@
   <p:clrMapOvr>
     <a:masterClrMapping/>
   </p:clrMapOvr>
+  <p:timing>
+    <p:tnLst>
+      <p:par>
+        <p:cTn id="1" dur="indefinite" restart="never" nodeType="tmRoot"/>
+      </p:par>
+    </p:tnLst>
+  </p:timing>
 </p:sld>
 </file>
 
@@ -4872,6 +5104,13 @@
   <p:clrMapOvr>
     <a:masterClrMapping/>
   </p:clrMapOvr>
+  <p:timing>
+    <p:tnLst>
+      <p:par>
+        <p:cTn id="1" dur="indefinite" restart="never" nodeType="tmRoot"/>
+      </p:par>
+    </p:tnLst>
+  </p:timing>
 </p:sld>
 </file>
 
@@ -5088,6 +5327,13 @@
   <p:clrMapOvr>
     <a:masterClrMapping/>
   </p:clrMapOvr>
+  <p:timing>
+    <p:tnLst>
+      <p:par>
+        <p:cTn id="1" dur="indefinite" restart="never" nodeType="tmRoot"/>
+      </p:par>
+    </p:tnLst>
+  </p:timing>
 </p:sld>
 </file>
 

--- a/SQLLDR/Bad_Vs_Discard.pptx
+++ b/SQLLDR/Bad_Vs_Discard.pptx
@@ -302,7 +302,7 @@
           <a:p>
             <a:fld id="{E30B6D15-E501-4B30-9258-F6AF2DAF638F}" type="datetimeFigureOut">
               <a:rPr lang="en-US" smtClean="0"/>
-              <a:t>2/26/2015</a:t>
+              <a:t>2/27/2015</a:t>
             </a:fld>
             <a:endParaRPr lang="en-US"/>
           </a:p>
@@ -472,7 +472,7 @@
           <a:p>
             <a:fld id="{E30B6D15-E501-4B30-9258-F6AF2DAF638F}" type="datetimeFigureOut">
               <a:rPr lang="en-US" smtClean="0"/>
-              <a:t>2/26/2015</a:t>
+              <a:t>2/27/2015</a:t>
             </a:fld>
             <a:endParaRPr lang="en-US"/>
           </a:p>
@@ -652,7 +652,7 @@
           <a:p>
             <a:fld id="{E30B6D15-E501-4B30-9258-F6AF2DAF638F}" type="datetimeFigureOut">
               <a:rPr lang="en-US" smtClean="0"/>
-              <a:t>2/26/2015</a:t>
+              <a:t>2/27/2015</a:t>
             </a:fld>
             <a:endParaRPr lang="en-US"/>
           </a:p>
@@ -822,7 +822,7 @@
           <a:p>
             <a:fld id="{E30B6D15-E501-4B30-9258-F6AF2DAF638F}" type="datetimeFigureOut">
               <a:rPr lang="en-US" smtClean="0"/>
-              <a:t>2/26/2015</a:t>
+              <a:t>2/27/2015</a:t>
             </a:fld>
             <a:endParaRPr lang="en-US"/>
           </a:p>
@@ -1068,7 +1068,7 @@
           <a:p>
             <a:fld id="{E30B6D15-E501-4B30-9258-F6AF2DAF638F}" type="datetimeFigureOut">
               <a:rPr lang="en-US" smtClean="0"/>
-              <a:t>2/26/2015</a:t>
+              <a:t>2/27/2015</a:t>
             </a:fld>
             <a:endParaRPr lang="en-US"/>
           </a:p>
@@ -1356,7 +1356,7 @@
           <a:p>
             <a:fld id="{E30B6D15-E501-4B30-9258-F6AF2DAF638F}" type="datetimeFigureOut">
               <a:rPr lang="en-US" smtClean="0"/>
-              <a:t>2/26/2015</a:t>
+              <a:t>2/27/2015</a:t>
             </a:fld>
             <a:endParaRPr lang="en-US"/>
           </a:p>
@@ -1778,7 +1778,7 @@
           <a:p>
             <a:fld id="{E30B6D15-E501-4B30-9258-F6AF2DAF638F}" type="datetimeFigureOut">
               <a:rPr lang="en-US" smtClean="0"/>
-              <a:t>2/26/2015</a:t>
+              <a:t>2/27/2015</a:t>
             </a:fld>
             <a:endParaRPr lang="en-US"/>
           </a:p>
@@ -1896,7 +1896,7 @@
           <a:p>
             <a:fld id="{E30B6D15-E501-4B30-9258-F6AF2DAF638F}" type="datetimeFigureOut">
               <a:rPr lang="en-US" smtClean="0"/>
-              <a:t>2/26/2015</a:t>
+              <a:t>2/27/2015</a:t>
             </a:fld>
             <a:endParaRPr lang="en-US"/>
           </a:p>
@@ -1991,7 +1991,7 @@
           <a:p>
             <a:fld id="{E30B6D15-E501-4B30-9258-F6AF2DAF638F}" type="datetimeFigureOut">
               <a:rPr lang="en-US" smtClean="0"/>
-              <a:t>2/26/2015</a:t>
+              <a:t>2/27/2015</a:t>
             </a:fld>
             <a:endParaRPr lang="en-US"/>
           </a:p>
@@ -2268,7 +2268,7 @@
           <a:p>
             <a:fld id="{E30B6D15-E501-4B30-9258-F6AF2DAF638F}" type="datetimeFigureOut">
               <a:rPr lang="en-US" smtClean="0"/>
-              <a:t>2/26/2015</a:t>
+              <a:t>2/27/2015</a:t>
             </a:fld>
             <a:endParaRPr lang="en-US"/>
           </a:p>
@@ -2521,7 +2521,7 @@
           <a:p>
             <a:fld id="{E30B6D15-E501-4B30-9258-F6AF2DAF638F}" type="datetimeFigureOut">
               <a:rPr lang="en-US" smtClean="0"/>
-              <a:t>2/26/2015</a:t>
+              <a:t>2/27/2015</a:t>
             </a:fld>
             <a:endParaRPr lang="en-US"/>
           </a:p>
@@ -2734,7 +2734,7 @@
           <a:p>
             <a:fld id="{E30B6D15-E501-4B30-9258-F6AF2DAF638F}" type="datetimeFigureOut">
               <a:rPr lang="en-US" smtClean="0"/>
-              <a:t>2/26/2015</a:t>
+              <a:t>2/27/2015</a:t>
             </a:fld>
             <a:endParaRPr lang="en-US"/>
           </a:p>
@@ -3826,6 +3826,10 @@
           </a:bodyPr>
           <a:lstStyle/>
           <a:p>
+            <a:r>
+              <a:rPr lang="en-US" dirty="0" smtClean="0"/>
+              <a:t>A new look at emp2 table.</a:t>
+            </a:r>
             <a:endParaRPr lang="en-US" dirty="0"/>
           </a:p>
           <a:p>
@@ -3966,10 +3970,15 @@
             <p:ph idx="1"/>
           </p:nvPr>
         </p:nvSpPr>
-        <p:spPr/>
+        <p:spPr>
+          <a:xfrm>
+            <a:off x="457200" y="1600200"/>
+            <a:ext cx="8229600" cy="4800600"/>
+          </a:xfrm>
+        </p:spPr>
         <p:txBody>
           <a:bodyPr>
-            <a:normAutofit lnSpcReduction="10000"/>
+            <a:normAutofit/>
           </a:bodyPr>
           <a:lstStyle/>
           <a:p>
@@ -3977,25 +3986,33 @@
               <a:buNone/>
             </a:pPr>
             <a:r>
-              <a:rPr lang="en-US" dirty="0" smtClean="0"/>
+              <a:rPr lang="en-US" sz="2800" dirty="0" smtClean="0"/>
               <a:t>I hope this helps clarify the confusion between the two files.  Nearly all people learning SQL*Loader for the first time ask for clarification on this topic.  I hope this helps. </a:t>
             </a:r>
-            <a:endParaRPr lang="en-US" dirty="0"/>
-          </a:p>
-          <a:p>
-            <a:pPr marL="0" indent="0">
-              <a:buNone/>
-            </a:pPr>
-            <a:r>
-              <a:rPr lang="en-US" dirty="0" smtClean="0"/>
-              <a:t>Please let me know if you have any more questions.  I will continue to add more detail to my presentation on </a:t>
-            </a:r>
-            <a:r>
-              <a:rPr lang="en-US" dirty="0" err="1" smtClean="0"/>
+            <a:endParaRPr lang="en-US" sz="2800" dirty="0"/>
+          </a:p>
+          <a:p>
+            <a:pPr marL="0" indent="0">
+              <a:buNone/>
+            </a:pPr>
+            <a:r>
+              <a:rPr lang="en-US" sz="2800" dirty="0" smtClean="0"/>
+              <a:t>Please let me know if you have any more </a:t>
+            </a:r>
+            <a:r>
+              <a:rPr lang="en-US" sz="2800" dirty="0" smtClean="0"/>
+              <a:t>questions .  </a:t>
+            </a:r>
+            <a:r>
+              <a:rPr lang="en-US" sz="2800" dirty="0" smtClean="0"/>
+              <a:t>I will continue to add more detail to my presentation on </a:t>
+            </a:r>
+            <a:r>
+              <a:rPr lang="en-US" sz="2800" dirty="0" err="1" smtClean="0"/>
               <a:t>github</a:t>
             </a:r>
             <a:r>
-              <a:rPr lang="en-US" dirty="0" smtClean="0"/>
+              <a:rPr lang="en-US" sz="2800" dirty="0" smtClean="0"/>
               <a:t> posting on this topic:</a:t>
             </a:r>
           </a:p>
@@ -4004,12 +4021,32 @@
               <a:buNone/>
             </a:pPr>
             <a:r>
-              <a:rPr lang="en-US" dirty="0" smtClean="0">
+              <a:rPr lang="en-US" sz="2800" dirty="0" smtClean="0">
                 <a:hlinkClick r:id="rId2"/>
               </a:rPr>
-              <a:t>https://github.com/dottie333/dorothybox/tree/master/SQLLDR</a:t>
-            </a:r>
-            <a:endParaRPr lang="en-US" dirty="0" smtClean="0"/>
+              <a:t>https://</a:t>
+            </a:r>
+            <a:r>
+              <a:rPr lang="en-US" sz="2800" dirty="0" smtClean="0">
+                <a:hlinkClick r:id="rId2"/>
+              </a:rPr>
+              <a:t>github.com/dottie333/dorothybox/tree/master/SQLLDR</a:t>
+            </a:r>
+            <a:r>
+              <a:rPr lang="en-US" sz="2800" dirty="0" smtClean="0"/>
+              <a:t>    So look for the updated copy.  You may contact me at </a:t>
+            </a:r>
+            <a:r>
+              <a:rPr lang="en-US" sz="2800" dirty="0" smtClean="0">
+                <a:hlinkClick r:id="rId3"/>
+              </a:rPr>
+              <a:t>hewitt.dorothy@gmail.com</a:t>
+            </a:r>
+            <a:r>
+              <a:rPr lang="en-US" sz="2800" dirty="0" smtClean="0"/>
+              <a:t> </a:t>
+            </a:r>
+            <a:endParaRPr lang="en-US" sz="2800" dirty="0" smtClean="0"/>
           </a:p>
           <a:p>
             <a:pPr marL="0" indent="0">
@@ -4359,7 +4396,31 @@
           <a:p>
             <a:r>
               <a:rPr lang="en-US" dirty="0" smtClean="0"/>
-              <a:t>Next, I add the rows to my table.</a:t>
+              <a:t>Next, I </a:t>
+            </a:r>
+            <a:r>
+              <a:rPr lang="en-US" dirty="0" smtClean="0"/>
+              <a:t>add </a:t>
+            </a:r>
+            <a:r>
+              <a:rPr lang="en-US" dirty="0" smtClean="0"/>
+              <a:t>rows to </a:t>
+            </a:r>
+            <a:r>
+              <a:rPr lang="en-US" dirty="0" smtClean="0"/>
+              <a:t>the </a:t>
+            </a:r>
+            <a:r>
+              <a:rPr lang="en-US" dirty="0" smtClean="0"/>
+              <a:t>emp2</a:t>
+            </a:r>
+            <a:r>
+              <a:rPr lang="en-US" dirty="0" smtClean="0"/>
+              <a:t> </a:t>
+            </a:r>
+            <a:r>
+              <a:rPr lang="en-US" dirty="0" smtClean="0"/>
+              <a:t>table.</a:t>
             </a:r>
           </a:p>
           <a:p>
@@ -4546,7 +4607,19 @@
           <a:p>
             <a:r>
               <a:rPr lang="en-US" dirty="0" smtClean="0"/>
-              <a:t>Now my table looks like this:</a:t>
+              <a:t>Now </a:t>
+            </a:r>
+            <a:r>
+              <a:rPr lang="en-US" dirty="0" smtClean="0"/>
+              <a:t>the emp2 </a:t>
+            </a:r>
+            <a:r>
+              <a:rPr lang="en-US" dirty="0" smtClean="0"/>
+              <a:t>table </a:t>
+            </a:r>
+            <a:r>
+              <a:rPr lang="en-US" dirty="0" smtClean="0"/>
+              <a:t>looks like this:</a:t>
             </a:r>
           </a:p>
           <a:p>
@@ -4696,7 +4769,7 @@
         <p:spPr/>
         <p:txBody>
           <a:bodyPr>
-            <a:normAutofit lnSpcReduction="10000"/>
+            <a:normAutofit fontScale="92500"/>
           </a:bodyPr>
           <a:lstStyle/>
           <a:p>
@@ -4723,7 +4796,47 @@
             </a:pPr>
             <a:r>
               <a:rPr lang="en-US" dirty="0" smtClean="0"/>
-              <a:t>The discard records are good records but they did not meet the condition of name “John”.  There is nothing wrong with the records, we just disregard them.  </a:t>
+              <a:t>The discard records are good records but they did not meet the condition </a:t>
+            </a:r>
+            <a:r>
+              <a:rPr lang="en-US" dirty="0" smtClean="0"/>
+              <a:t>of the WHEN clause </a:t>
+            </a:r>
+            <a:r>
+              <a:rPr lang="en-US" dirty="0" smtClean="0"/>
+              <a:t>where </a:t>
+            </a:r>
+            <a:r>
+              <a:rPr lang="en-US" dirty="0" err="1" smtClean="0"/>
+              <a:t>first_</a:t>
+            </a:r>
+            <a:r>
+              <a:rPr lang="en-US" dirty="0" err="1" smtClean="0"/>
+              <a:t>name</a:t>
+            </a:r>
+            <a:r>
+              <a:rPr lang="en-US" dirty="0" smtClean="0"/>
+              <a:t> </a:t>
+            </a:r>
+            <a:r>
+              <a:rPr lang="en-US" dirty="0" smtClean="0"/>
+              <a:t>= ‘</a:t>
+            </a:r>
+            <a:r>
+              <a:rPr lang="en-US" dirty="0" smtClean="0"/>
+              <a:t>John</a:t>
+            </a:r>
+            <a:r>
+              <a:rPr lang="en-US" dirty="0" smtClean="0"/>
+              <a:t>’</a:t>
+            </a:r>
+            <a:r>
+              <a:rPr lang="en-US" dirty="0" smtClean="0"/>
+              <a:t>.  </a:t>
+            </a:r>
+            <a:r>
+              <a:rPr lang="en-US" dirty="0" smtClean="0"/>
+              <a:t>There is nothing wrong with the records, we just disregard them.  </a:t>
             </a:r>
             <a:endParaRPr lang="en-US" dirty="0"/>
           </a:p>

--- a/SQLLDR/Bad_Vs_Discard.pptx
+++ b/SQLLDR/Bad_Vs_Discard.pptx
@@ -302,7 +302,7 @@
           <a:p>
             <a:fld id="{E30B6D15-E501-4B30-9258-F6AF2DAF638F}" type="datetimeFigureOut">
               <a:rPr lang="en-US" smtClean="0"/>
-              <a:t>2/27/2015</a:t>
+              <a:t>3/8/2015</a:t>
             </a:fld>
             <a:endParaRPr lang="en-US"/>
           </a:p>
@@ -472,7 +472,7 @@
           <a:p>
             <a:fld id="{E30B6D15-E501-4B30-9258-F6AF2DAF638F}" type="datetimeFigureOut">
               <a:rPr lang="en-US" smtClean="0"/>
-              <a:t>2/27/2015</a:t>
+              <a:t>3/8/2015</a:t>
             </a:fld>
             <a:endParaRPr lang="en-US"/>
           </a:p>
@@ -652,7 +652,7 @@
           <a:p>
             <a:fld id="{E30B6D15-E501-4B30-9258-F6AF2DAF638F}" type="datetimeFigureOut">
               <a:rPr lang="en-US" smtClean="0"/>
-              <a:t>2/27/2015</a:t>
+              <a:t>3/8/2015</a:t>
             </a:fld>
             <a:endParaRPr lang="en-US"/>
           </a:p>
@@ -822,7 +822,7 @@
           <a:p>
             <a:fld id="{E30B6D15-E501-4B30-9258-F6AF2DAF638F}" type="datetimeFigureOut">
               <a:rPr lang="en-US" smtClean="0"/>
-              <a:t>2/27/2015</a:t>
+              <a:t>3/8/2015</a:t>
             </a:fld>
             <a:endParaRPr lang="en-US"/>
           </a:p>
@@ -1068,7 +1068,7 @@
           <a:p>
             <a:fld id="{E30B6D15-E501-4B30-9258-F6AF2DAF638F}" type="datetimeFigureOut">
               <a:rPr lang="en-US" smtClean="0"/>
-              <a:t>2/27/2015</a:t>
+              <a:t>3/8/2015</a:t>
             </a:fld>
             <a:endParaRPr lang="en-US"/>
           </a:p>
@@ -1356,7 +1356,7 @@
           <a:p>
             <a:fld id="{E30B6D15-E501-4B30-9258-F6AF2DAF638F}" type="datetimeFigureOut">
               <a:rPr lang="en-US" smtClean="0"/>
-              <a:t>2/27/2015</a:t>
+              <a:t>3/8/2015</a:t>
             </a:fld>
             <a:endParaRPr lang="en-US"/>
           </a:p>
@@ -1778,7 +1778,7 @@
           <a:p>
             <a:fld id="{E30B6D15-E501-4B30-9258-F6AF2DAF638F}" type="datetimeFigureOut">
               <a:rPr lang="en-US" smtClean="0"/>
-              <a:t>2/27/2015</a:t>
+              <a:t>3/8/2015</a:t>
             </a:fld>
             <a:endParaRPr lang="en-US"/>
           </a:p>
@@ -1896,7 +1896,7 @@
           <a:p>
             <a:fld id="{E30B6D15-E501-4B30-9258-F6AF2DAF638F}" type="datetimeFigureOut">
               <a:rPr lang="en-US" smtClean="0"/>
-              <a:t>2/27/2015</a:t>
+              <a:t>3/8/2015</a:t>
             </a:fld>
             <a:endParaRPr lang="en-US"/>
           </a:p>
@@ -1991,7 +1991,7 @@
           <a:p>
             <a:fld id="{E30B6D15-E501-4B30-9258-F6AF2DAF638F}" type="datetimeFigureOut">
               <a:rPr lang="en-US" smtClean="0"/>
-              <a:t>2/27/2015</a:t>
+              <a:t>3/8/2015</a:t>
             </a:fld>
             <a:endParaRPr lang="en-US"/>
           </a:p>
@@ -2268,7 +2268,7 @@
           <a:p>
             <a:fld id="{E30B6D15-E501-4B30-9258-F6AF2DAF638F}" type="datetimeFigureOut">
               <a:rPr lang="en-US" smtClean="0"/>
-              <a:t>2/27/2015</a:t>
+              <a:t>3/8/2015</a:t>
             </a:fld>
             <a:endParaRPr lang="en-US"/>
           </a:p>
@@ -2521,7 +2521,7 @@
           <a:p>
             <a:fld id="{E30B6D15-E501-4B30-9258-F6AF2DAF638F}" type="datetimeFigureOut">
               <a:rPr lang="en-US" smtClean="0"/>
-              <a:t>2/27/2015</a:t>
+              <a:t>3/8/2015</a:t>
             </a:fld>
             <a:endParaRPr lang="en-US"/>
           </a:p>
@@ -2734,7 +2734,7 @@
           <a:p>
             <a:fld id="{E30B6D15-E501-4B30-9258-F6AF2DAF638F}" type="datetimeFigureOut">
               <a:rPr lang="en-US" smtClean="0"/>
-              <a:t>2/27/2015</a:t>
+              <a:t>3/8/2015</a:t>
             </a:fld>
             <a:endParaRPr lang="en-US"/>
           </a:p>
@@ -3997,15 +3997,7 @@
             </a:pPr>
             <a:r>
               <a:rPr lang="en-US" sz="2800" dirty="0" smtClean="0"/>
-              <a:t>Please let me know if you have any more </a:t>
-            </a:r>
-            <a:r>
-              <a:rPr lang="en-US" sz="2800" dirty="0" smtClean="0"/>
-              <a:t>questions .  </a:t>
-            </a:r>
-            <a:r>
-              <a:rPr lang="en-US" sz="2800" dirty="0" smtClean="0"/>
-              <a:t>I will continue to add more detail to my presentation on </a:t>
+              <a:t>Please let me know if you have any more questions .  I will continue to add more detail to my presentation on </a:t>
             </a:r>
             <a:r>
               <a:rPr lang="en-US" sz="2800" dirty="0" err="1" smtClean="0"/>
@@ -4024,13 +4016,7 @@
               <a:rPr lang="en-US" sz="2800" dirty="0" smtClean="0">
                 <a:hlinkClick r:id="rId2"/>
               </a:rPr>
-              <a:t>https://</a:t>
-            </a:r>
-            <a:r>
-              <a:rPr lang="en-US" sz="2800" dirty="0" smtClean="0">
-                <a:hlinkClick r:id="rId2"/>
-              </a:rPr>
-              <a:t>github.com/dottie333/dorothybox/tree/master/SQLLDR</a:t>
+              <a:t>https://github.com/dottie333/dorothybox/tree/master/SQLLDR</a:t>
             </a:r>
             <a:r>
               <a:rPr lang="en-US" sz="2800" dirty="0" smtClean="0"/>
@@ -4046,7 +4032,6 @@
               <a:rPr lang="en-US" sz="2800" dirty="0" smtClean="0"/>
               <a:t> </a:t>
             </a:r>
-            <a:endParaRPr lang="en-US" sz="2800" dirty="0" smtClean="0"/>
           </a:p>
           <a:p>
             <a:pPr marL="0" indent="0">
@@ -4159,25 +4144,17 @@
               <a:buNone/>
             </a:pPr>
             <a:r>
-              <a:rPr lang="en-US" dirty="0" err="1" smtClean="0"/>
-              <a:t>first_name</a:t>
-            </a:r>
-            <a:r>
-              <a:rPr lang="en-US" dirty="0" smtClean="0"/>
-              <a:t>	varchar2(20),</a:t>
-            </a:r>
-          </a:p>
-          <a:p>
-            <a:pPr marL="0" indent="0">
-              <a:buNone/>
-            </a:pPr>
-            <a:r>
-              <a:rPr lang="en-US" dirty="0" err="1" smtClean="0"/>
-              <a:t>last_name</a:t>
-            </a:r>
-            <a:r>
-              <a:rPr lang="en-US" dirty="0" smtClean="0"/>
-              <a:t>	varchar2(20));</a:t>
+              <a:rPr lang="en-US" dirty="0" smtClean="0"/>
+              <a:t>first_name	varchar2(20),</a:t>
+            </a:r>
+          </a:p>
+          <a:p>
+            <a:pPr marL="0" indent="0">
+              <a:buNone/>
+            </a:pPr>
+            <a:r>
+              <a:rPr lang="en-US" dirty="0" smtClean="0"/>
+              <a:t>last_name	varchar2(20));</a:t>
             </a:r>
           </a:p>
           <a:p>
@@ -4396,31 +4373,7 @@
           <a:p>
             <a:r>
               <a:rPr lang="en-US" dirty="0" smtClean="0"/>
-              <a:t>Next, I </a:t>
-            </a:r>
-            <a:r>
-              <a:rPr lang="en-US" dirty="0" smtClean="0"/>
-              <a:t>add </a:t>
-            </a:r>
-            <a:r>
-              <a:rPr lang="en-US" dirty="0" smtClean="0"/>
-              <a:t>rows to </a:t>
-            </a:r>
-            <a:r>
-              <a:rPr lang="en-US" dirty="0" smtClean="0"/>
-              <a:t>the </a:t>
-            </a:r>
-            <a:r>
-              <a:rPr lang="en-US" dirty="0" smtClean="0"/>
-              <a:t>emp2</a:t>
-            </a:r>
-            <a:r>
-              <a:rPr lang="en-US" dirty="0" smtClean="0"/>
-              <a:t> </a:t>
-            </a:r>
-            <a:r>
-              <a:rPr lang="en-US" dirty="0" smtClean="0"/>
-              <a:t>table.</a:t>
+              <a:t>Next, I add rows to the emp2 table.</a:t>
             </a:r>
           </a:p>
           <a:p>
@@ -4432,7 +4385,7 @@
             </a:pPr>
             <a:r>
               <a:rPr lang="en-US" dirty="0" smtClean="0"/>
-              <a:t>insert into emp2(</a:t>
+              <a:t>insert into emp2( </a:t>
             </a:r>
             <a:r>
               <a:rPr lang="en-US" dirty="0" err="1" smtClean="0"/>
@@ -4607,19 +4560,7 @@
           <a:p>
             <a:r>
               <a:rPr lang="en-US" dirty="0" smtClean="0"/>
-              <a:t>Now </a:t>
-            </a:r>
-            <a:r>
-              <a:rPr lang="en-US" dirty="0" smtClean="0"/>
-              <a:t>the emp2 </a:t>
-            </a:r>
-            <a:r>
-              <a:rPr lang="en-US" dirty="0" smtClean="0"/>
-              <a:t>table </a:t>
-            </a:r>
-            <a:r>
-              <a:rPr lang="en-US" dirty="0" smtClean="0"/>
-              <a:t>looks like this:</a:t>
+              <a:t>Now the emp2 table looks like this:</a:t>
             </a:r>
           </a:p>
           <a:p>
@@ -4769,7 +4710,7 @@
         <p:spPr/>
         <p:txBody>
           <a:bodyPr>
-            <a:normAutofit fontScale="92500"/>
+            <a:normAutofit lnSpcReduction="10000"/>
           </a:bodyPr>
           <a:lstStyle/>
           <a:p>
@@ -4796,47 +4737,39 @@
             </a:pPr>
             <a:r>
               <a:rPr lang="en-US" dirty="0" smtClean="0"/>
-              <a:t>The discard records are good records but they did not meet the condition </a:t>
-            </a:r>
-            <a:r>
-              <a:rPr lang="en-US" dirty="0" smtClean="0"/>
-              <a:t>of the WHEN clause </a:t>
-            </a:r>
-            <a:r>
-              <a:rPr lang="en-US" dirty="0" smtClean="0"/>
-              <a:t>where </a:t>
-            </a:r>
-            <a:r>
-              <a:rPr lang="en-US" dirty="0" err="1" smtClean="0"/>
-              <a:t>first_</a:t>
-            </a:r>
-            <a:r>
-              <a:rPr lang="en-US" dirty="0" err="1" smtClean="0"/>
-              <a:t>name</a:t>
-            </a:r>
-            <a:r>
-              <a:rPr lang="en-US" dirty="0" smtClean="0"/>
-              <a:t> </a:t>
-            </a:r>
-            <a:r>
-              <a:rPr lang="en-US" dirty="0" smtClean="0"/>
-              <a:t>= ‘</a:t>
-            </a:r>
-            <a:r>
-              <a:rPr lang="en-US" dirty="0" smtClean="0"/>
-              <a:t>John</a:t>
-            </a:r>
-            <a:r>
-              <a:rPr lang="en-US" dirty="0" smtClean="0"/>
-              <a:t>’</a:t>
-            </a:r>
-            <a:r>
-              <a:rPr lang="en-US" dirty="0" smtClean="0"/>
-              <a:t>.  </a:t>
-            </a:r>
-            <a:r>
-              <a:rPr lang="en-US" dirty="0" smtClean="0"/>
-              <a:t>There is nothing wrong with the records, we just disregard them.  </a:t>
+              <a:t>The discard records </a:t>
+            </a:r>
+            <a:r>
+              <a:rPr lang="en-US" dirty="0" smtClean="0"/>
+              <a:t> are </a:t>
+            </a:r>
+            <a:r>
+              <a:rPr lang="en-US" dirty="0" smtClean="0"/>
+              <a:t>records </a:t>
+            </a:r>
+            <a:r>
+              <a:rPr lang="en-US" dirty="0" smtClean="0"/>
+              <a:t>that do </a:t>
+            </a:r>
+            <a:r>
+              <a:rPr lang="en-US" dirty="0" smtClean="0"/>
+              <a:t>not meet </a:t>
+            </a:r>
+            <a:r>
+              <a:rPr lang="en-US" dirty="0" smtClean="0"/>
+              <a:t>the condition of the WHEN clause where first_name = ‘John’.  </a:t>
+            </a:r>
+            <a:r>
+              <a:rPr lang="en-US" dirty="0" smtClean="0"/>
+              <a:t>So </a:t>
+            </a:r>
+            <a:r>
+              <a:rPr lang="en-US" dirty="0" smtClean="0"/>
+              <a:t>we </a:t>
+            </a:r>
+            <a:r>
+              <a:rPr lang="en-US" dirty="0" smtClean="0"/>
+              <a:t>just disregard them.  </a:t>
             </a:r>
             <a:endParaRPr lang="en-US" dirty="0"/>
           </a:p>
@@ -4932,12 +4865,8 @@
               <a:buNone/>
             </a:pPr>
             <a:r>
-              <a:rPr lang="en-US" dirty="0" err="1" smtClean="0"/>
-              <a:t>infile</a:t>
-            </a:r>
-            <a:r>
-              <a:rPr lang="en-US" dirty="0" smtClean="0"/>
-              <a:t> *</a:t>
+              <a:rPr lang="en-US" dirty="0" smtClean="0"/>
+              <a:t>infile *</a:t>
             </a:r>
           </a:p>
           <a:p>
@@ -4964,15 +4893,7 @@
             </a:pPr>
             <a:r>
               <a:rPr lang="en-US" dirty="0" smtClean="0"/>
-              <a:t>when (</a:t>
-            </a:r>
-            <a:r>
-              <a:rPr lang="en-US" dirty="0" err="1" smtClean="0"/>
-              <a:t>first_name</a:t>
-            </a:r>
-            <a:r>
-              <a:rPr lang="en-US" dirty="0" smtClean="0"/>
-              <a:t> = 'John')</a:t>
+              <a:t>when (first_name = 'John')</a:t>
             </a:r>
           </a:p>
           <a:p>
@@ -4990,23 +4911,7 @@
             </a:pPr>
             <a:r>
               <a:rPr lang="en-US" dirty="0" smtClean="0"/>
-              <a:t>(employee_id, </a:t>
-            </a:r>
-            <a:r>
-              <a:rPr lang="en-US" dirty="0" err="1" smtClean="0"/>
-              <a:t>first_name</a:t>
-            </a:r>
-            <a:r>
-              <a:rPr lang="en-US" dirty="0" smtClean="0"/>
-              <a:t>, </a:t>
-            </a:r>
-            <a:r>
-              <a:rPr lang="en-US" dirty="0" err="1" smtClean="0"/>
-              <a:t>last_name</a:t>
-            </a:r>
-            <a:r>
-              <a:rPr lang="en-US" dirty="0" smtClean="0"/>
-              <a:t> </a:t>
+              <a:t>(employee_id, first_name, last_name </a:t>
             </a:r>
           </a:p>
           <a:p>
@@ -5162,23 +5067,7 @@
             </a:pPr>
             <a:r>
               <a:rPr lang="en-US" dirty="0" smtClean="0"/>
-              <a:t> :&gt; </a:t>
-            </a:r>
-            <a:r>
-              <a:rPr lang="en-US" dirty="0" err="1" smtClean="0"/>
-              <a:t>sqlldr</a:t>
-            </a:r>
-            <a:r>
-              <a:rPr lang="en-US" dirty="0" smtClean="0"/>
-              <a:t> </a:t>
-            </a:r>
-            <a:r>
-              <a:rPr lang="en-US" dirty="0" err="1" smtClean="0"/>
-              <a:t>hr</a:t>
-            </a:r>
-            <a:r>
-              <a:rPr lang="en-US" dirty="0" smtClean="0"/>
-              <a:t>/</a:t>
+              <a:t> :&gt; sqlldr hr/</a:t>
             </a:r>
             <a:r>
               <a:rPr lang="en-US" dirty="0" err="1" smtClean="0"/>
@@ -5289,23 +5178,7 @@
             </a:pPr>
             <a:r>
               <a:rPr lang="en-US" dirty="0" smtClean="0"/>
-              <a:t>PS D:\&gt; </a:t>
-            </a:r>
-            <a:r>
-              <a:rPr lang="en-US" dirty="0" err="1" smtClean="0"/>
-              <a:t>sqlldr</a:t>
-            </a:r>
-            <a:r>
-              <a:rPr lang="en-US" dirty="0" smtClean="0"/>
-              <a:t> </a:t>
-            </a:r>
-            <a:r>
-              <a:rPr lang="en-US" dirty="0" err="1" smtClean="0"/>
-              <a:t>hr</a:t>
-            </a:r>
-            <a:r>
-              <a:rPr lang="en-US" dirty="0" smtClean="0"/>
-              <a:t>/</a:t>
+              <a:t>PS D:\&gt; sqlldr hr/</a:t>
             </a:r>
             <a:r>
               <a:rPr lang="en-US" dirty="0" err="1" smtClean="0"/>
